--- a/projects/subtitles/Subtitles 2605.pptx
+++ b/projects/subtitles/Subtitles 2605.pptx
@@ -5291,8 +5291,8 @@
               <a:t> to </a:t>
             </a:r>
             <a:r>
-              <a:rPr lang="fr-FR" dirty="0" err="1" smtClean="0"/>
-              <a:t>recover</a:t>
+              <a:rPr lang="fr-FR" smtClean="0"/>
+              <a:t>get</a:t>
             </a:r>
             <a:endParaRPr lang="fr-FR" dirty="0" smtClean="0"/>
           </a:p>
@@ -6212,32 +6212,36 @@
           <a:lstStyle/>
           <a:p>
             <a:r>
+              <a:rPr lang="fr-FR" dirty="0" smtClean="0"/>
+              <a:t>To display the </a:t>
+            </a:r>
+            <a:r>
               <a:rPr lang="fr-FR" dirty="0" err="1" smtClean="0"/>
-              <a:t>Recover</a:t>
+              <a:t>link</a:t>
             </a:r>
             <a:r>
               <a:rPr lang="fr-FR" dirty="0" smtClean="0"/>
-              <a:t> the </a:t>
+              <a:t> </a:t>
             </a:r>
             <a:r>
               <a:rPr lang="fr-FR" dirty="0" err="1" smtClean="0"/>
-              <a:t>subtitles</a:t>
+              <a:t>we</a:t>
             </a:r>
             <a:r>
               <a:rPr lang="fr-FR" dirty="0" smtClean="0"/>
-              <a:t>’ </a:t>
+              <a:t> </a:t>
             </a:r>
             <a:r>
               <a:rPr lang="fr-FR" dirty="0" err="1" smtClean="0"/>
-              <a:t>language</a:t>
-            </a:r>
-            <a:endParaRPr lang="fr-FR" dirty="0" smtClean="0"/>
-          </a:p>
-          <a:p>
-            <a:pPr marL="349250" lvl="1" indent="0">
+              <a:t>want</a:t>
+            </a:r>
+            <a:endParaRPr lang="fr-FR" dirty="0"/>
+          </a:p>
+          <a:p>
+            <a:pPr marL="0" indent="0">
               <a:buNone/>
             </a:pPr>
-            <a:endParaRPr lang="fr-FR" dirty="0" smtClean="0"/>
+            <a:endParaRPr lang="fr-FR" sz="1050" dirty="0" smtClean="0"/>
           </a:p>
           <a:p>
             <a:pPr marL="349250" lvl="1" indent="0">
@@ -6261,7 +6265,23 @@
             </a:r>
             <a:r>
               <a:rPr lang="fr-FR" b="1" dirty="0"/>
-              <a:t> "$@" | </a:t>
+              <a:t> </a:t>
+            </a:r>
+            <a:r>
+              <a:rPr lang="fr-FR" b="1" dirty="0"/>
+              <a:t> </a:t>
+            </a:r>
+            <a:r>
+              <a:rPr lang="fr-FR" b="1" dirty="0" smtClean="0"/>
+              <a:t>"</a:t>
+            </a:r>
+            <a:r>
+              <a:rPr lang="fr-FR" b="1" dirty="0" smtClean="0"/>
+              <a:t>$1" </a:t>
+            </a:r>
+            <a:r>
+              <a:rPr lang="fr-FR" b="1" dirty="0"/>
+              <a:t>| </a:t>
             </a:r>
             <a:r>
               <a:rPr lang="fr-FR" b="1" dirty="0" err="1"/>
@@ -6296,22 +6316,43 @@
             </a:r>
             <a:r>
               <a:rPr lang="fr-FR" b="1" dirty="0" smtClean="0"/>
-              <a:t>$@ : </a:t>
+              <a:t>$1 :</a:t>
             </a:r>
             <a:r>
               <a:rPr lang="fr-FR" dirty="0" smtClean="0"/>
-              <a:t>All arguments </a:t>
+              <a:t> Return the first </a:t>
+            </a:r>
+            <a:r>
+              <a:rPr lang="fr-FR" dirty="0" err="1" smtClean="0"/>
+              <a:t>word</a:t>
             </a:r>
             <a:endParaRPr lang="fr-FR" b="1" dirty="0"/>
           </a:p>
-          <a:p>
-            <a:pPr marL="349250" lvl="1" indent="0">
-              <a:buNone/>
-            </a:pPr>
-            <a:r>
-              <a:rPr lang="fr-FR" b="1" dirty="0"/>
-              <a:t>	</a:t>
-            </a:r>
+        </p:txBody>
+      </p:sp>
+      <p:sp>
+        <p:nvSpPr>
+          <p:cNvPr id="4" name="ZoneTexte 3"/>
+          <p:cNvSpPr txBox="1"/>
+          <p:nvPr/>
+        </p:nvSpPr>
+        <p:spPr>
+          <a:xfrm>
+            <a:off x="115460" y="4156863"/>
+            <a:ext cx="184666" cy="369332"/>
+          </a:xfrm>
+          <a:prstGeom prst="rect">
+            <a:avLst/>
+          </a:prstGeom>
+          <a:noFill/>
+        </p:spPr>
+        <p:txBody>
+          <a:bodyPr wrap="none" rtlCol="0">
+            <a:spAutoFit/>
+          </a:bodyPr>
+          <a:lstStyle/>
+          <a:p>
+            <a:endParaRPr lang="fr-FR" dirty="0"/>
           </a:p>
         </p:txBody>
       </p:sp>
@@ -6389,11 +6430,7 @@
           <a:p>
             <a:r>
               <a:rPr lang="fr-FR" dirty="0" smtClean="0"/>
-              <a:t>Look for </a:t>
-            </a:r>
-            <a:r>
-              <a:rPr lang="fr-FR" dirty="0" smtClean="0"/>
-              <a:t>the default </a:t>
+              <a:t>Look for the default </a:t>
             </a:r>
             <a:r>
               <a:rPr lang="fr-FR" dirty="0" err="1" smtClean="0"/>
